--- a/Documents/Documentacion/PET SITTING.pptx
+++ b/Documents/Documentacion/PET SITTING.pptx
@@ -247,7 +247,7 @@
           </a:lstStyle>
           <a:p>
             <a:r>
-              <a:rPr lang="es-ES" smtClean="0"/>
+              <a:rPr lang="es-ES"/>
               <a:t>Haga clic para modificar el estilo de título del patrón</a:t>
             </a:r>
             <a:endParaRPr lang="en-US" dirty="0"/>
@@ -321,7 +321,7 @@
           </a:lstStyle>
           <a:p>
             <a:r>
-              <a:rPr lang="es-ES" smtClean="0"/>
+              <a:rPr lang="es-ES"/>
               <a:t>Haga clic para modificar el estilo de subtítulo del patrón</a:t>
             </a:r>
             <a:endParaRPr lang="en-US" dirty="0"/>
@@ -436,7 +436,7 @@
           <a:lstStyle/>
           <a:p>
             <a:r>
-              <a:rPr lang="es-ES" smtClean="0"/>
+              <a:rPr lang="es-ES"/>
               <a:t>Haga clic para modificar el estilo de título del patrón</a:t>
             </a:r>
             <a:endParaRPr lang="en-US" dirty="0"/>
@@ -460,35 +460,35 @@
           <a:p>
             <a:pPr lvl="0"/>
             <a:r>
-              <a:rPr lang="es-ES" smtClean="0"/>
+              <a:rPr lang="es-ES"/>
               <a:t>Haga clic para modificar el estilo de texto del patrón</a:t>
             </a:r>
           </a:p>
           <a:p>
             <a:pPr lvl="1"/>
             <a:r>
-              <a:rPr lang="es-ES" smtClean="0"/>
+              <a:rPr lang="es-ES"/>
               <a:t>Segundo nivel</a:t>
             </a:r>
           </a:p>
           <a:p>
             <a:pPr lvl="2"/>
             <a:r>
-              <a:rPr lang="es-ES" smtClean="0"/>
+              <a:rPr lang="es-ES"/>
               <a:t>Tercer nivel</a:t>
             </a:r>
           </a:p>
           <a:p>
             <a:pPr lvl="3"/>
             <a:r>
-              <a:rPr lang="es-ES" smtClean="0"/>
+              <a:rPr lang="es-ES"/>
               <a:t>Cuarto nivel</a:t>
             </a:r>
           </a:p>
           <a:p>
             <a:pPr lvl="4"/>
             <a:r>
-              <a:rPr lang="es-ES" smtClean="0"/>
+              <a:rPr lang="es-ES"/>
               <a:t>Quinto nivel</a:t>
             </a:r>
             <a:endParaRPr lang="en-US" dirty="0"/>
@@ -608,7 +608,7 @@
           <a:lstStyle/>
           <a:p>
             <a:r>
-              <a:rPr lang="es-ES" smtClean="0"/>
+              <a:rPr lang="es-ES"/>
               <a:t>Haga clic para modificar el estilo de título del patrón</a:t>
             </a:r>
             <a:endParaRPr lang="en-US" dirty="0"/>
@@ -637,35 +637,35 @@
           <a:p>
             <a:pPr lvl="0"/>
             <a:r>
-              <a:rPr lang="es-ES" smtClean="0"/>
+              <a:rPr lang="es-ES"/>
               <a:t>Haga clic para modificar el estilo de texto del patrón</a:t>
             </a:r>
           </a:p>
           <a:p>
             <a:pPr lvl="1"/>
             <a:r>
-              <a:rPr lang="es-ES" smtClean="0"/>
+              <a:rPr lang="es-ES"/>
               <a:t>Segundo nivel</a:t>
             </a:r>
           </a:p>
           <a:p>
             <a:pPr lvl="2"/>
             <a:r>
-              <a:rPr lang="es-ES" smtClean="0"/>
+              <a:rPr lang="es-ES"/>
               <a:t>Tercer nivel</a:t>
             </a:r>
           </a:p>
           <a:p>
             <a:pPr lvl="3"/>
             <a:r>
-              <a:rPr lang="es-ES" smtClean="0"/>
+              <a:rPr lang="es-ES"/>
               <a:t>Cuarto nivel</a:t>
             </a:r>
           </a:p>
           <a:p>
             <a:pPr lvl="4"/>
             <a:r>
-              <a:rPr lang="es-ES" smtClean="0"/>
+              <a:rPr lang="es-ES"/>
               <a:t>Quinto nivel</a:t>
             </a:r>
             <a:endParaRPr lang="en-US" dirty="0"/>
@@ -780,7 +780,7 @@
           <a:lstStyle/>
           <a:p>
             <a:r>
-              <a:rPr lang="es-ES" smtClean="0"/>
+              <a:rPr lang="es-ES"/>
               <a:t>Haga clic para modificar el estilo de título del patrón</a:t>
             </a:r>
             <a:endParaRPr lang="en-US" dirty="0"/>
@@ -804,35 +804,35 @@
           <a:p>
             <a:pPr lvl="0"/>
             <a:r>
-              <a:rPr lang="es-ES" smtClean="0"/>
+              <a:rPr lang="es-ES"/>
               <a:t>Haga clic para modificar el estilo de texto del patrón</a:t>
             </a:r>
           </a:p>
           <a:p>
             <a:pPr lvl="1"/>
             <a:r>
-              <a:rPr lang="es-ES" smtClean="0"/>
+              <a:rPr lang="es-ES"/>
               <a:t>Segundo nivel</a:t>
             </a:r>
           </a:p>
           <a:p>
             <a:pPr lvl="2"/>
             <a:r>
-              <a:rPr lang="es-ES" smtClean="0"/>
+              <a:rPr lang="es-ES"/>
               <a:t>Tercer nivel</a:t>
             </a:r>
           </a:p>
           <a:p>
             <a:pPr lvl="3"/>
             <a:r>
-              <a:rPr lang="es-ES" smtClean="0"/>
+              <a:rPr lang="es-ES"/>
               <a:t>Cuarto nivel</a:t>
             </a:r>
           </a:p>
           <a:p>
             <a:pPr lvl="4"/>
             <a:r>
-              <a:rPr lang="es-ES" smtClean="0"/>
+              <a:rPr lang="es-ES"/>
               <a:t>Quinto nivel</a:t>
             </a:r>
             <a:endParaRPr lang="en-US" dirty="0"/>
@@ -965,7 +965,7 @@
           </a:lstStyle>
           <a:p>
             <a:r>
-              <a:rPr lang="es-ES" smtClean="0"/>
+              <a:rPr lang="es-ES"/>
               <a:t>Haga clic para modificar el estilo de título del patrón</a:t>
             </a:r>
             <a:endParaRPr lang="en-US" dirty="0"/>
@@ -1088,7 +1088,7 @@
           <a:p>
             <a:pPr lvl="0"/>
             <a:r>
-              <a:rPr lang="es-ES" smtClean="0"/>
+              <a:rPr lang="es-ES"/>
               <a:t>Haga clic para modificar el estilo de texto del patrón</a:t>
             </a:r>
           </a:p>
@@ -1202,7 +1202,7 @@
           <a:lstStyle/>
           <a:p>
             <a:r>
-              <a:rPr lang="es-ES" smtClean="0"/>
+              <a:rPr lang="es-ES"/>
               <a:t>Haga clic para modificar el estilo de título del patrón</a:t>
             </a:r>
             <a:endParaRPr lang="en-US" dirty="0"/>
@@ -1259,35 +1259,35 @@
           <a:p>
             <a:pPr lvl="0"/>
             <a:r>
-              <a:rPr lang="es-ES" smtClean="0"/>
+              <a:rPr lang="es-ES"/>
               <a:t>Haga clic para modificar el estilo de texto del patrón</a:t>
             </a:r>
           </a:p>
           <a:p>
             <a:pPr lvl="1"/>
             <a:r>
-              <a:rPr lang="es-ES" smtClean="0"/>
+              <a:rPr lang="es-ES"/>
               <a:t>Segundo nivel</a:t>
             </a:r>
           </a:p>
           <a:p>
             <a:pPr lvl="2"/>
             <a:r>
-              <a:rPr lang="es-ES" smtClean="0"/>
+              <a:rPr lang="es-ES"/>
               <a:t>Tercer nivel</a:t>
             </a:r>
           </a:p>
           <a:p>
             <a:pPr lvl="3"/>
             <a:r>
-              <a:rPr lang="es-ES" smtClean="0"/>
+              <a:rPr lang="es-ES"/>
               <a:t>Cuarto nivel</a:t>
             </a:r>
           </a:p>
           <a:p>
             <a:pPr lvl="4"/>
             <a:r>
-              <a:rPr lang="es-ES" smtClean="0"/>
+              <a:rPr lang="es-ES"/>
               <a:t>Quinto nivel</a:t>
             </a:r>
             <a:endParaRPr lang="en-US" dirty="0"/>
@@ -1344,35 +1344,35 @@
           <a:p>
             <a:pPr lvl="0"/>
             <a:r>
-              <a:rPr lang="es-ES" smtClean="0"/>
+              <a:rPr lang="es-ES"/>
               <a:t>Haga clic para modificar el estilo de texto del patrón</a:t>
             </a:r>
           </a:p>
           <a:p>
             <a:pPr lvl="1"/>
             <a:r>
-              <a:rPr lang="es-ES" smtClean="0"/>
+              <a:rPr lang="es-ES"/>
               <a:t>Segundo nivel</a:t>
             </a:r>
           </a:p>
           <a:p>
             <a:pPr lvl="2"/>
             <a:r>
-              <a:rPr lang="es-ES" smtClean="0"/>
+              <a:rPr lang="es-ES"/>
               <a:t>Tercer nivel</a:t>
             </a:r>
           </a:p>
           <a:p>
             <a:pPr lvl="3"/>
             <a:r>
-              <a:rPr lang="es-ES" smtClean="0"/>
+              <a:rPr lang="es-ES"/>
               <a:t>Cuarto nivel</a:t>
             </a:r>
           </a:p>
           <a:p>
             <a:pPr lvl="4"/>
             <a:r>
-              <a:rPr lang="es-ES" smtClean="0"/>
+              <a:rPr lang="es-ES"/>
               <a:t>Quinto nivel</a:t>
             </a:r>
             <a:endParaRPr lang="en-US" dirty="0"/>
@@ -1487,7 +1487,7 @@
           <a:lstStyle/>
           <a:p>
             <a:r>
-              <a:rPr lang="es-ES" smtClean="0"/>
+              <a:rPr lang="es-ES"/>
               <a:t>Haga clic para modificar el estilo de título del patrón</a:t>
             </a:r>
             <a:endParaRPr lang="en-US" dirty="0"/>
@@ -1565,7 +1565,7 @@
           <a:p>
             <a:pPr lvl="0"/>
             <a:r>
-              <a:rPr lang="es-ES" smtClean="0"/>
+              <a:rPr lang="es-ES"/>
               <a:t>Haga clic para modificar el estilo de texto del patrón</a:t>
             </a:r>
           </a:p>
@@ -1621,35 +1621,35 @@
           <a:p>
             <a:pPr lvl="0"/>
             <a:r>
-              <a:rPr lang="es-ES" smtClean="0"/>
+              <a:rPr lang="es-ES"/>
               <a:t>Haga clic para modificar el estilo de texto del patrón</a:t>
             </a:r>
           </a:p>
           <a:p>
             <a:pPr lvl="1"/>
             <a:r>
-              <a:rPr lang="es-ES" smtClean="0"/>
+              <a:rPr lang="es-ES"/>
               <a:t>Segundo nivel</a:t>
             </a:r>
           </a:p>
           <a:p>
             <a:pPr lvl="2"/>
             <a:r>
-              <a:rPr lang="es-ES" smtClean="0"/>
+              <a:rPr lang="es-ES"/>
               <a:t>Tercer nivel</a:t>
             </a:r>
           </a:p>
           <a:p>
             <a:pPr lvl="3"/>
             <a:r>
-              <a:rPr lang="es-ES" smtClean="0"/>
+              <a:rPr lang="es-ES"/>
               <a:t>Cuarto nivel</a:t>
             </a:r>
           </a:p>
           <a:p>
             <a:pPr lvl="4"/>
             <a:r>
-              <a:rPr lang="es-ES" smtClean="0"/>
+              <a:rPr lang="es-ES"/>
               <a:t>Quinto nivel</a:t>
             </a:r>
             <a:endParaRPr lang="en-US" dirty="0"/>
@@ -1727,7 +1727,7 @@
           <a:p>
             <a:pPr lvl="0"/>
             <a:r>
-              <a:rPr lang="es-ES" smtClean="0"/>
+              <a:rPr lang="es-ES"/>
               <a:t>Haga clic para modificar el estilo de texto del patrón</a:t>
             </a:r>
           </a:p>
@@ -1783,35 +1783,35 @@
           <a:p>
             <a:pPr lvl="0"/>
             <a:r>
-              <a:rPr lang="es-ES" smtClean="0"/>
+              <a:rPr lang="es-ES"/>
               <a:t>Haga clic para modificar el estilo de texto del patrón</a:t>
             </a:r>
           </a:p>
           <a:p>
             <a:pPr lvl="1"/>
             <a:r>
-              <a:rPr lang="es-ES" smtClean="0"/>
+              <a:rPr lang="es-ES"/>
               <a:t>Segundo nivel</a:t>
             </a:r>
           </a:p>
           <a:p>
             <a:pPr lvl="2"/>
             <a:r>
-              <a:rPr lang="es-ES" smtClean="0"/>
+              <a:rPr lang="es-ES"/>
               <a:t>Tercer nivel</a:t>
             </a:r>
           </a:p>
           <a:p>
             <a:pPr lvl="3"/>
             <a:r>
-              <a:rPr lang="es-ES" smtClean="0"/>
+              <a:rPr lang="es-ES"/>
               <a:t>Cuarto nivel</a:t>
             </a:r>
           </a:p>
           <a:p>
             <a:pPr lvl="4"/>
             <a:r>
-              <a:rPr lang="es-ES" smtClean="0"/>
+              <a:rPr lang="es-ES"/>
               <a:t>Quinto nivel</a:t>
             </a:r>
             <a:endParaRPr lang="en-US" dirty="0"/>
@@ -1926,7 +1926,7 @@
           <a:lstStyle/>
           <a:p>
             <a:r>
-              <a:rPr lang="es-ES" smtClean="0"/>
+              <a:rPr lang="es-ES"/>
               <a:t>Haga clic para modificar el estilo de título del patrón</a:t>
             </a:r>
             <a:endParaRPr lang="en-US" dirty="0"/>
@@ -2144,7 +2144,7 @@
           </a:lstStyle>
           <a:p>
             <a:r>
-              <a:rPr lang="es-ES" smtClean="0"/>
+              <a:rPr lang="es-ES"/>
               <a:t>Haga clic para modificar el estilo de título del patrón</a:t>
             </a:r>
             <a:endParaRPr lang="en-US" dirty="0"/>
@@ -2201,35 +2201,35 @@
           <a:p>
             <a:pPr lvl="0"/>
             <a:r>
-              <a:rPr lang="es-ES" smtClean="0"/>
+              <a:rPr lang="es-ES"/>
               <a:t>Haga clic para modificar el estilo de texto del patrón</a:t>
             </a:r>
           </a:p>
           <a:p>
             <a:pPr lvl="1"/>
             <a:r>
-              <a:rPr lang="es-ES" smtClean="0"/>
+              <a:rPr lang="es-ES"/>
               <a:t>Segundo nivel</a:t>
             </a:r>
           </a:p>
           <a:p>
             <a:pPr lvl="2"/>
             <a:r>
-              <a:rPr lang="es-ES" smtClean="0"/>
+              <a:rPr lang="es-ES"/>
               <a:t>Tercer nivel</a:t>
             </a:r>
           </a:p>
           <a:p>
             <a:pPr lvl="3"/>
             <a:r>
-              <a:rPr lang="es-ES" smtClean="0"/>
+              <a:rPr lang="es-ES"/>
               <a:t>Cuarto nivel</a:t>
             </a:r>
           </a:p>
           <a:p>
             <a:pPr lvl="4"/>
             <a:r>
-              <a:rPr lang="es-ES" smtClean="0"/>
+              <a:rPr lang="es-ES"/>
               <a:t>Quinto nivel</a:t>
             </a:r>
             <a:endParaRPr lang="en-US" dirty="0"/>
@@ -2304,7 +2304,7 @@
           <a:p>
             <a:pPr lvl="0"/>
             <a:r>
-              <a:rPr lang="es-ES" smtClean="0"/>
+              <a:rPr lang="es-ES"/>
               <a:t>Haga clic para modificar el estilo de texto del patrón</a:t>
             </a:r>
           </a:p>
@@ -2429,7 +2429,7 @@
           </a:lstStyle>
           <a:p>
             <a:r>
-              <a:rPr lang="es-ES" smtClean="0"/>
+              <a:rPr lang="es-ES"/>
               <a:t>Haga clic para modificar el estilo de título del patrón</a:t>
             </a:r>
             <a:endParaRPr lang="en-US" dirty="0"/>
@@ -2499,7 +2499,7 @@
           </a:lstStyle>
           <a:p>
             <a:r>
-              <a:rPr lang="es-ES" smtClean="0"/>
+              <a:rPr lang="es-ES"/>
               <a:t>Haga clic en el icono para agregar una imagen</a:t>
             </a:r>
             <a:endParaRPr lang="en-US" dirty="0"/>
@@ -2574,7 +2574,7 @@
           <a:p>
             <a:pPr lvl="0"/>
             <a:r>
-              <a:rPr lang="es-ES" smtClean="0"/>
+              <a:rPr lang="es-ES"/>
               <a:t>Haga clic para modificar el estilo de texto del patrón</a:t>
             </a:r>
           </a:p>
@@ -2746,7 +2746,7 @@
           <a:lstStyle/>
           <a:p>
             <a:r>
-              <a:rPr lang="es-ES" smtClean="0"/>
+              <a:rPr lang="es-ES"/>
               <a:t>Haga clic para modificar el estilo de título del patrón</a:t>
             </a:r>
             <a:endParaRPr lang="en-US" dirty="0"/>
@@ -2820,35 +2820,35 @@
           <a:p>
             <a:pPr lvl="0"/>
             <a:r>
-              <a:rPr lang="es-ES" smtClean="0"/>
+              <a:rPr lang="es-ES"/>
               <a:t>Haga clic para modificar el estilo de texto del patrón</a:t>
             </a:r>
           </a:p>
           <a:p>
             <a:pPr lvl="1"/>
             <a:r>
-              <a:rPr lang="es-ES" smtClean="0"/>
+              <a:rPr lang="es-ES"/>
               <a:t>Segundo nivel</a:t>
             </a:r>
           </a:p>
           <a:p>
             <a:pPr lvl="2"/>
             <a:r>
-              <a:rPr lang="es-ES" smtClean="0"/>
+              <a:rPr lang="es-ES"/>
               <a:t>Tercer nivel</a:t>
             </a:r>
           </a:p>
           <a:p>
             <a:pPr lvl="3"/>
             <a:r>
-              <a:rPr lang="es-ES" smtClean="0"/>
+              <a:rPr lang="es-ES"/>
               <a:t>Cuarto nivel</a:t>
             </a:r>
           </a:p>
           <a:p>
             <a:pPr lvl="4"/>
             <a:r>
-              <a:rPr lang="es-ES" smtClean="0"/>
+              <a:rPr lang="es-ES"/>
               <a:t>Quinto nivel</a:t>
             </a:r>
             <a:endParaRPr lang="en-US" dirty="0"/>
@@ -3393,10 +3393,9 @@
           <a:p>
             <a:pPr algn="ctr"/>
             <a:r>
-              <a:rPr lang="es-MX" dirty="0" smtClean="0"/>
+              <a:rPr lang="es-MX" dirty="0"/>
               <a:t>PET SITTING</a:t>
             </a:r>
-            <a:endParaRPr lang="es-MX" dirty="0"/>
           </a:p>
         </p:txBody>
       </p:sp>
@@ -3424,24 +3423,23 @@
           <a:p>
             <a:pPr algn="r"/>
             <a:r>
-              <a:rPr lang="es-MX" dirty="0" smtClean="0"/>
+              <a:rPr lang="es-MX" dirty="0"/>
               <a:t>Antonio Alonso Pérez</a:t>
             </a:r>
           </a:p>
           <a:p>
             <a:pPr algn="r"/>
             <a:r>
-              <a:rPr lang="es-MX" dirty="0" smtClean="0"/>
+              <a:rPr lang="es-MX" dirty="0"/>
               <a:t>Lizet Jiménez Rodríguez</a:t>
             </a:r>
           </a:p>
           <a:p>
             <a:pPr algn="r"/>
             <a:r>
-              <a:rPr lang="es-MX" dirty="0" smtClean="0"/>
+              <a:rPr lang="es-MX" dirty="0"/>
               <a:t>Kay Larios Soto </a:t>
             </a:r>
-            <a:endParaRPr lang="es-MX" dirty="0"/>
           </a:p>
         </p:txBody>
       </p:sp>
@@ -3488,13 +3486,6 @@
   <p:clrMapOvr>
     <a:masterClrMapping/>
   </p:clrMapOvr>
-  <p:timing>
-    <p:tnLst>
-      <p:par>
-        <p:cTn id="1" dur="indefinite" restart="never" nodeType="tmRoot"/>
-      </p:par>
-    </p:tnLst>
-  </p:timing>
 </p:sld>
 </file>
 
@@ -3533,28 +3524,15 @@
             <a:pPr algn="ctr"/>
             <a:r>
               <a:rPr lang="es-MX" dirty="0"/>
-              <a:t>Primer </a:t>
-            </a:r>
-            <a:r>
-              <a:rPr lang="es-MX" dirty="0" smtClean="0"/>
-              <a:t>Sprint</a:t>
+              <a:t>Primer Sprint</a:t>
             </a:r>
             <a:br>
-              <a:rPr lang="es-MX" dirty="0" smtClean="0"/>
+              <a:rPr lang="es-MX" dirty="0"/>
             </a:br>
             <a:r>
-              <a:rPr lang="es-MX" sz="2400" dirty="0" smtClean="0"/>
-              <a:t>(</a:t>
-            </a:r>
-            <a:r>
               <a:rPr lang="es-MX" sz="2400" dirty="0"/>
-              <a:t>Diseño de la base de </a:t>
-            </a:r>
-            <a:r>
-              <a:rPr lang="es-MX" sz="2400" dirty="0" smtClean="0"/>
-              <a:t>datos)</a:t>
-            </a:r>
-            <a:endParaRPr lang="es-MX" sz="2400" dirty="0"/>
+              <a:t>(Diseño de la base de datos)</a:t>
+            </a:r>
           </a:p>
         </p:txBody>
       </p:sp>
@@ -3587,13 +3565,6 @@
   <p:clrMapOvr>
     <a:masterClrMapping/>
   </p:clrMapOvr>
-  <p:timing>
-    <p:tnLst>
-      <p:par>
-        <p:cTn id="1" dur="indefinite" restart="never" nodeType="tmRoot"/>
-      </p:par>
-    </p:tnLst>
-  </p:timing>
 </p:sld>
 </file>
 
@@ -3631,10 +3602,9 @@
           <a:p>
             <a:pPr algn="ctr"/>
             <a:r>
-              <a:rPr lang="es-MX" dirty="0" smtClean="0"/>
+              <a:rPr lang="es-MX" dirty="0"/>
               <a:t>Problemática</a:t>
             </a:r>
-            <a:endParaRPr lang="es-MX" dirty="0"/>
           </a:p>
         </p:txBody>
       </p:sp>
@@ -3660,13 +3630,8 @@
             </a:pPr>
             <a:r>
               <a:rPr lang="es-MX" sz="2400" dirty="0"/>
-              <a:t>En la actualidad las mascotas son parte fundamental en la vida de las personas, tanto, que consideran a sus mascotas como parte de su familia, lamentablemente las personas no pueden cuidar de una mascota como se debe por falta de tiempo o por su profesión, hay casos en que las familias salen de vacaciones y los dueños dejan a su mascota solos o son encargados a una persona ajena lo que ocasiona desconfianza a los </a:t>
-            </a:r>
-            <a:r>
-              <a:rPr lang="es-MX" sz="2400" dirty="0" smtClean="0"/>
-              <a:t>dueños</a:t>
-            </a:r>
-            <a:endParaRPr lang="es-MX" sz="2400" dirty="0"/>
+              <a:t>En la actualidad las mascotas son parte fundamental en la vida de las personas, tanto, que consideran a sus mascotas como parte de su familia, lamentablemente las personas no pueden cuidar de una mascota como se debe por falta de tiempo o por su profesión, hay casos en que las familias salen de vacaciones y los dueños dejan a su mascota solos o son encargados a una persona ajena lo que ocasiona desconfianza a los dueños</a:t>
+            </a:r>
           </a:p>
         </p:txBody>
       </p:sp>
@@ -3713,13 +3678,6 @@
   <p:clrMapOvr>
     <a:masterClrMapping/>
   </p:clrMapOvr>
-  <p:timing>
-    <p:tnLst>
-      <p:par>
-        <p:cTn id="1" dur="indefinite" restart="never" nodeType="tmRoot"/>
-      </p:par>
-    </p:tnLst>
-  </p:timing>
 </p:sld>
 </file>
 
@@ -3757,10 +3715,9 @@
           <a:p>
             <a:pPr algn="ctr"/>
             <a:r>
-              <a:rPr lang="es-MX" dirty="0" smtClean="0"/>
+              <a:rPr lang="es-MX" dirty="0"/>
               <a:t>Solución </a:t>
             </a:r>
-            <a:endParaRPr lang="es-MX" dirty="0"/>
           </a:p>
         </p:txBody>
       </p:sp>
@@ -3789,15 +3746,7 @@
             </a:pPr>
             <a:r>
               <a:rPr lang="es-MX" sz="2400" dirty="0"/>
-              <a:t>P</a:t>
-            </a:r>
-            <a:r>
-              <a:rPr lang="es-MX" sz="2400" dirty="0" smtClean="0"/>
-              <a:t>or </a:t>
-            </a:r>
-            <a:r>
-              <a:rPr lang="es-MX" sz="2400" dirty="0"/>
-              <a:t>estos motivos se ha decidido crear un dispensador de alimento para la mascota en el cual llene el plato de comida del animal de forma automática con información precargada y además definir la información sobre el tipo de mascota a la que va dirigido. La definición del tipo de mascota y los tiempos en los que se debe dispensar el alimento serán guardados por el usuario mediante una aplicación de escritorio, cabe mencionar que esto solo se realizara una sola vez por el usuario. </a:t>
+              <a:t>Por estos motivos se ha decidido crear un dispensador de alimento para la mascota en el cual llene el plato de comida del animal de forma automática con información precargada y además definir la información sobre el tipo de mascota a la que va dirigido. La definición del tipo de mascota y los tiempos en los que se debe dispensar el alimento serán guardados por el usuario mediante una aplicación de escritorio, cabe mencionar que esto solo se realizara una sola vez por el usuario. </a:t>
             </a:r>
           </a:p>
           <a:p>
@@ -3848,13 +3797,6 @@
   <p:clrMapOvr>
     <a:masterClrMapping/>
   </p:clrMapOvr>
-  <p:timing>
-    <p:tnLst>
-      <p:par>
-        <p:cTn id="1" dur="indefinite" restart="never" nodeType="tmRoot"/>
-      </p:par>
-    </p:tnLst>
-  </p:timing>
 </p:sld>
 </file>
 
@@ -3893,10 +3835,9 @@
           <a:lstStyle/>
           <a:p>
             <a:r>
-              <a:rPr lang="es-MX" sz="3200" dirty="0" smtClean="0"/>
+              <a:rPr lang="es-MX" sz="3200" dirty="0"/>
               <a:t>Requerimientos</a:t>
             </a:r>
-            <a:endParaRPr lang="es-MX" sz="3200" dirty="0"/>
           </a:p>
         </p:txBody>
       </p:sp>
@@ -4011,13 +3952,8 @@
             <a:pPr lvl="0"/>
             <a:r>
               <a:rPr lang="es-MX" dirty="0"/>
-              <a:t>Detectar insuficiencia de alimento del dispensador</a:t>
-            </a:r>
-            <a:r>
-              <a:rPr lang="es-MX" dirty="0" smtClean="0"/>
-              <a:t>.</a:t>
-            </a:r>
-            <a:endParaRPr lang="es-MX" dirty="0"/>
+              <a:t>Detectar insuficiencia de alimento del dispensador.</a:t>
+            </a:r>
           </a:p>
         </p:txBody>
       </p:sp>
@@ -4064,13 +4000,6 @@
   <p:clrMapOvr>
     <a:masterClrMapping/>
   </p:clrMapOvr>
-  <p:timing>
-    <p:tnLst>
-      <p:par>
-        <p:cTn id="1" dur="indefinite" restart="never" nodeType="tmRoot"/>
-      </p:par>
-    </p:tnLst>
-  </p:timing>
 </p:sld>
 </file>
 
@@ -4108,10 +4037,9 @@
           <a:p>
             <a:pPr algn="ctr"/>
             <a:r>
-              <a:rPr lang="es-MX" dirty="0" smtClean="0"/>
+              <a:rPr lang="es-MX" dirty="0"/>
               <a:t>Presupuesto estimado.</a:t>
             </a:r>
-            <a:endParaRPr lang="es-MX" dirty="0"/>
           </a:p>
         </p:txBody>
       </p:sp>
@@ -4141,9 +4069,27 @@
                 <a:tableStyleId>{5C22544A-7EE6-4342-B048-85BDC9FD1C3A}</a:tableStyleId>
               </a:tblPr>
               <a:tblGrid>
-                <a:gridCol w="1759943"/>
-                <a:gridCol w="3724360"/>
-                <a:gridCol w="1427672"/>
+                <a:gridCol w="1759943">
+                  <a:extLst>
+                    <a:ext uri="{9D8B030D-6E8A-4147-A177-3AD203B41FA5}">
+                      <a16:colId xmlns:a16="http://schemas.microsoft.com/office/drawing/2014/main" val="20000"/>
+                    </a:ext>
+                  </a:extLst>
+                </a:gridCol>
+                <a:gridCol w="3724360">
+                  <a:extLst>
+                    <a:ext uri="{9D8B030D-6E8A-4147-A177-3AD203B41FA5}">
+                      <a16:colId xmlns:a16="http://schemas.microsoft.com/office/drawing/2014/main" val="20001"/>
+                    </a:ext>
+                  </a:extLst>
+                </a:gridCol>
+                <a:gridCol w="1427672">
+                  <a:extLst>
+                    <a:ext uri="{9D8B030D-6E8A-4147-A177-3AD203B41FA5}">
+                      <a16:colId xmlns:a16="http://schemas.microsoft.com/office/drawing/2014/main" val="20002"/>
+                    </a:ext>
+                  </a:extLst>
+                </a:gridCol>
               </a:tblGrid>
               <a:tr h="302460">
                 <a:tc>
@@ -4233,6 +4179,11 @@
                   </a:txBody>
                   <a:tcPr marL="68580" marR="68580" marT="0" marB="0"/>
                 </a:tc>
+                <a:extLst>
+                  <a:ext uri="{0D108BD9-81ED-4DB2-BD59-A6C34878D82A}">
+                    <a16:rowId xmlns:a16="http://schemas.microsoft.com/office/drawing/2014/main" val="10000"/>
+                  </a:ext>
+                </a:extLst>
               </a:tr>
               <a:tr h="2334204">
                 <a:tc>
@@ -4338,6 +4289,11 @@
                   </a:txBody>
                   <a:tcPr marL="68580" marR="68580" marT="0" marB="0"/>
                 </a:tc>
+                <a:extLst>
+                  <a:ext uri="{0D108BD9-81ED-4DB2-BD59-A6C34878D82A}">
+                    <a16:rowId xmlns:a16="http://schemas.microsoft.com/office/drawing/2014/main" val="10001"/>
+                  </a:ext>
+                </a:extLst>
               </a:tr>
               <a:tr h="934535">
                 <a:tc>
@@ -4443,6 +4399,11 @@
                   </a:txBody>
                   <a:tcPr marL="68580" marR="68580" marT="0" marB="0"/>
                 </a:tc>
+                <a:extLst>
+                  <a:ext uri="{0D108BD9-81ED-4DB2-BD59-A6C34878D82A}">
+                    <a16:rowId xmlns:a16="http://schemas.microsoft.com/office/drawing/2014/main" val="10002"/>
+                  </a:ext>
+                </a:extLst>
               </a:tr>
               <a:tr h="934535">
                 <a:tc>
@@ -4548,6 +4509,11 @@
                   </a:txBody>
                   <a:tcPr marL="68580" marR="68580" marT="0" marB="0"/>
                 </a:tc>
+                <a:extLst>
+                  <a:ext uri="{0D108BD9-81ED-4DB2-BD59-A6C34878D82A}">
+                    <a16:rowId xmlns:a16="http://schemas.microsoft.com/office/drawing/2014/main" val="10003"/>
+                  </a:ext>
+                </a:extLst>
               </a:tr>
               <a:tr h="356956">
                 <a:tc>
@@ -4637,6 +4603,11 @@
                   </a:txBody>
                   <a:tcPr marL="68580" marR="68580" marT="0" marB="0"/>
                 </a:tc>
+                <a:extLst>
+                  <a:ext uri="{0D108BD9-81ED-4DB2-BD59-A6C34878D82A}">
+                    <a16:rowId xmlns:a16="http://schemas.microsoft.com/office/drawing/2014/main" val="10004"/>
+                  </a:ext>
+                </a:extLst>
               </a:tr>
             </a:tbl>
           </a:graphicData>
@@ -4685,13 +4656,6 @@
   <p:clrMapOvr>
     <a:masterClrMapping/>
   </p:clrMapOvr>
-  <p:timing>
-    <p:tnLst>
-      <p:par>
-        <p:cTn id="1" dur="indefinite" restart="never" nodeType="tmRoot"/>
-      </p:par>
-    </p:tnLst>
-  </p:timing>
 </p:sld>
 </file>
 
@@ -4819,13 +4783,6 @@
   <p:clrMapOvr>
     <a:masterClrMapping/>
   </p:clrMapOvr>
-  <p:timing>
-    <p:tnLst>
-      <p:par>
-        <p:cTn id="1" dur="indefinite" restart="never" nodeType="tmRoot"/>
-      </p:par>
-    </p:tnLst>
-  </p:timing>
 </p:sld>
 </file>
 
@@ -4863,14 +4820,14 @@
           <a:p>
             <a:pPr algn="ctr"/>
             <a:r>
-              <a:rPr lang="es-MX" dirty="0" smtClean="0"/>
+              <a:rPr lang="es-MX" dirty="0"/>
               <a:t>Primer Sprint </a:t>
             </a:r>
             <a:br>
-              <a:rPr lang="es-MX" dirty="0" smtClean="0"/>
+              <a:rPr lang="es-MX" dirty="0"/>
             </a:br>
             <a:r>
-              <a:rPr lang="es-MX" sz="2400" dirty="0" smtClean="0"/>
+              <a:rPr lang="es-MX" sz="2400" dirty="0"/>
               <a:t>(</a:t>
             </a:r>
             <a:r>
@@ -4879,13 +4836,8 @@
             </a:r>
             <a:r>
               <a:rPr lang="es-MX" sz="2400" dirty="0"/>
-              <a:t> de la aplicación de escritorio.</a:t>
-            </a:r>
-            <a:r>
-              <a:rPr lang="es-MX" sz="2400" dirty="0" smtClean="0"/>
-              <a:t>) </a:t>
-            </a:r>
-            <a:endParaRPr lang="es-MX" sz="2400" dirty="0"/>
+              <a:t> de la aplicación de escritorio.) </a:t>
+            </a:r>
           </a:p>
         </p:txBody>
       </p:sp>
@@ -4964,13 +4916,6 @@
   <p:clrMapOvr>
     <a:masterClrMapping/>
   </p:clrMapOvr>
-  <p:timing>
-    <p:tnLst>
-      <p:par>
-        <p:cTn id="1" dur="indefinite" restart="never" nodeType="tmRoot"/>
-      </p:par>
-    </p:tnLst>
-  </p:timing>
 </p:sld>
 </file>
 
@@ -5105,13 +5050,6 @@
   <p:clrMapOvr>
     <a:masterClrMapping/>
   </p:clrMapOvr>
-  <p:timing>
-    <p:tnLst>
-      <p:par>
-        <p:cTn id="1" dur="indefinite" restart="never" nodeType="tmRoot"/>
-      </p:par>
-    </p:tnLst>
-  </p:timing>
 </p:sld>
 </file>
 
@@ -5153,40 +5091,74 @@
               <a:t>Primer Sprint </a:t>
             </a:r>
             <a:r>
-              <a:rPr lang="es-MX" sz="2400" dirty="0" smtClean="0"/>
-              <a:t>(Diseño </a:t>
-            </a:r>
-            <a:r>
               <a:rPr lang="es-MX" sz="2400" dirty="0"/>
-              <a:t>del </a:t>
-            </a:r>
-            <a:r>
-              <a:rPr lang="es-MX" sz="2400" dirty="0" smtClean="0"/>
-              <a:t>prototipo)</a:t>
-            </a:r>
-            <a:endParaRPr lang="es-MX" sz="2400" dirty="0"/>
-          </a:p>
-        </p:txBody>
-      </p:sp>
-      <p:sp>
-        <p:nvSpPr>
-          <p:cNvPr id="3" name="Marcador de contenido 2"/>
-          <p:cNvSpPr>
-            <a:spLocks noGrp="1"/>
-          </p:cNvSpPr>
+              <a:t>(Diseño del prototipo)</a:t>
+            </a:r>
+          </a:p>
+        </p:txBody>
+      </p:sp>
+      <p:pic>
+        <p:nvPicPr>
+          <p:cNvPr id="4" name="Marcador de contenido 3">
+            <a:extLst>
+              <a:ext uri="{FF2B5EF4-FFF2-40B4-BE49-F238E27FC236}">
+                <a16:creationId xmlns:a16="http://schemas.microsoft.com/office/drawing/2014/main" id="{8516D402-5A9F-4833-97F9-AB7954101268}"/>
+              </a:ext>
+            </a:extLst>
+          </p:cNvPr>
+          <p:cNvPicPr>
+            <a:picLocks noGrp="1" noChangeAspect="1"/>
+          </p:cNvPicPr>
           <p:nvPr>
             <p:ph idx="1"/>
           </p:nvPr>
-        </p:nvSpPr>
-        <p:spPr/>
-        <p:txBody>
-          <a:bodyPr/>
-          <a:lstStyle/>
-          <a:p>
-            <a:endParaRPr lang="es-MX"/>
-          </a:p>
-        </p:txBody>
-      </p:sp>
+        </p:nvPicPr>
+        <p:blipFill>
+          <a:blip r:embed="rId2"/>
+          <a:stretch>
+            <a:fillRect/>
+          </a:stretch>
+        </p:blipFill>
+        <p:spPr>
+          <a:xfrm>
+            <a:off x="3870674" y="1423798"/>
+            <a:ext cx="3557535" cy="4010404"/>
+          </a:xfrm>
+          <a:prstGeom prst="rect">
+            <a:avLst/>
+          </a:prstGeom>
+        </p:spPr>
+      </p:pic>
+      <p:pic>
+        <p:nvPicPr>
+          <p:cNvPr id="5" name="Imagen 4">
+            <a:extLst>
+              <a:ext uri="{FF2B5EF4-FFF2-40B4-BE49-F238E27FC236}">
+                <a16:creationId xmlns:a16="http://schemas.microsoft.com/office/drawing/2014/main" id="{553A86C8-D18D-47D3-A16A-39A22456939B}"/>
+              </a:ext>
+            </a:extLst>
+          </p:cNvPr>
+          <p:cNvPicPr>
+            <a:picLocks noChangeAspect="1"/>
+          </p:cNvPicPr>
+          <p:nvPr/>
+        </p:nvPicPr>
+        <p:blipFill>
+          <a:blip r:embed="rId3"/>
+          <a:stretch>
+            <a:fillRect/>
+          </a:stretch>
+        </p:blipFill>
+        <p:spPr>
+          <a:xfrm>
+            <a:off x="7910087" y="1423798"/>
+            <a:ext cx="2869979" cy="4010404"/>
+          </a:xfrm>
+          <a:prstGeom prst="rect">
+            <a:avLst/>
+          </a:prstGeom>
+        </p:spPr>
+      </p:pic>
     </p:spTree>
     <p:extLst>
       <p:ext uri="{BB962C8B-B14F-4D97-AF65-F5344CB8AC3E}">
@@ -5197,13 +5169,6 @@
   <p:clrMapOvr>
     <a:masterClrMapping/>
   </p:clrMapOvr>
-  <p:timing>
-    <p:tnLst>
-      <p:par>
-        <p:cTn id="1" dur="indefinite" restart="never" nodeType="tmRoot"/>
-      </p:par>
-    </p:tnLst>
-  </p:timing>
 </p:sld>
 </file>
 

--- a/Documents/Documentacion/PET SITTING.pptx
+++ b/Documents/Documentacion/PET SITTING.pptx
@@ -346,7 +346,7 @@
             <a:fld id="{5586B75A-687E-405C-8A0B-8D00578BA2C3}" type="datetimeFigureOut">
               <a:rPr lang="en-US" dirty="0"/>
               <a:pPr/>
-              <a:t>2/24/2019</a:t>
+              <a:t>2/25/2019</a:t>
             </a:fld>
             <a:endParaRPr lang="en-US" dirty="0"/>
           </a:p>
@@ -513,7 +513,7 @@
             <a:fld id="{5586B75A-687E-405C-8A0B-8D00578BA2C3}" type="datetimeFigureOut">
               <a:rPr lang="en-US" dirty="0"/>
               <a:pPr/>
-              <a:t>2/24/2019</a:t>
+              <a:t>2/25/2019</a:t>
             </a:fld>
             <a:endParaRPr lang="en-US" dirty="0"/>
           </a:p>
@@ -690,7 +690,7 @@
             <a:fld id="{5586B75A-687E-405C-8A0B-8D00578BA2C3}" type="datetimeFigureOut">
               <a:rPr lang="en-US" dirty="0"/>
               <a:pPr/>
-              <a:t>2/24/2019</a:t>
+              <a:t>2/25/2019</a:t>
             </a:fld>
             <a:endParaRPr lang="en-US" dirty="0"/>
           </a:p>
@@ -857,7 +857,7 @@
             <a:fld id="{5586B75A-687E-405C-8A0B-8D00578BA2C3}" type="datetimeFigureOut">
               <a:rPr lang="en-US" dirty="0"/>
               <a:pPr/>
-              <a:t>2/24/2019</a:t>
+              <a:t>2/25/2019</a:t>
             </a:fld>
             <a:endParaRPr lang="en-US" dirty="0"/>
           </a:p>
@@ -1112,7 +1112,7 @@
             <a:fld id="{5586B75A-687E-405C-8A0B-8D00578BA2C3}" type="datetimeFigureOut">
               <a:rPr lang="en-US" dirty="0"/>
               <a:pPr/>
-              <a:t>2/24/2019</a:t>
+              <a:t>2/25/2019</a:t>
             </a:fld>
             <a:endParaRPr lang="en-US" dirty="0"/>
           </a:p>
@@ -1397,7 +1397,7 @@
             <a:fld id="{5586B75A-687E-405C-8A0B-8D00578BA2C3}" type="datetimeFigureOut">
               <a:rPr lang="en-US" dirty="0"/>
               <a:pPr/>
-              <a:t>2/24/2019</a:t>
+              <a:t>2/25/2019</a:t>
             </a:fld>
             <a:endParaRPr lang="en-US" dirty="0"/>
           </a:p>
@@ -1836,7 +1836,7 @@
             <a:fld id="{5586B75A-687E-405C-8A0B-8D00578BA2C3}" type="datetimeFigureOut">
               <a:rPr lang="en-US" dirty="0"/>
               <a:pPr/>
-              <a:t>2/24/2019</a:t>
+              <a:t>2/25/2019</a:t>
             </a:fld>
             <a:endParaRPr lang="en-US" dirty="0"/>
           </a:p>
@@ -1951,7 +1951,7 @@
             <a:fld id="{5586B75A-687E-405C-8A0B-8D00578BA2C3}" type="datetimeFigureOut">
               <a:rPr lang="en-US" dirty="0"/>
               <a:pPr/>
-              <a:t>2/24/2019</a:t>
+              <a:t>2/25/2019</a:t>
             </a:fld>
             <a:endParaRPr lang="en-US" dirty="0"/>
           </a:p>
@@ -2043,7 +2043,7 @@
             <a:fld id="{5586B75A-687E-405C-8A0B-8D00578BA2C3}" type="datetimeFigureOut">
               <a:rPr lang="en-US" dirty="0"/>
               <a:pPr/>
-              <a:t>2/24/2019</a:t>
+              <a:t>2/25/2019</a:t>
             </a:fld>
             <a:endParaRPr lang="en-US" dirty="0"/>
           </a:p>
@@ -2328,7 +2328,7 @@
             <a:fld id="{5586B75A-687E-405C-8A0B-8D00578BA2C3}" type="datetimeFigureOut">
               <a:rPr lang="en-US" dirty="0"/>
               <a:pPr/>
-              <a:t>2/24/2019</a:t>
+              <a:t>2/25/2019</a:t>
             </a:fld>
             <a:endParaRPr lang="en-US" dirty="0"/>
           </a:p>
@@ -2598,7 +2598,7 @@
             <a:fld id="{5586B75A-687E-405C-8A0B-8D00578BA2C3}" type="datetimeFigureOut">
               <a:rPr lang="en-US" dirty="0"/>
               <a:pPr/>
-              <a:t>2/24/2019</a:t>
+              <a:t>2/25/2019</a:t>
             </a:fld>
             <a:endParaRPr lang="en-US" dirty="0"/>
           </a:p>
@@ -2892,7 +2892,7 @@
             <a:fld id="{5586B75A-687E-405C-8A0B-8D00578BA2C3}" type="datetimeFigureOut">
               <a:rPr lang="en-US" dirty="0"/>
               <a:pPr/>
-              <a:t>2/24/2019</a:t>
+              <a:t>2/25/2019</a:t>
             </a:fld>
             <a:endParaRPr lang="en-US" dirty="0"/>
           </a:p>
@@ -4072,21 +4072,21 @@
                 <a:gridCol w="1759943">
                   <a:extLst>
                     <a:ext uri="{9D8B030D-6E8A-4147-A177-3AD203B41FA5}">
-                      <a16:colId xmlns:a16="http://schemas.microsoft.com/office/drawing/2014/main" val="20000"/>
+                      <a16:colId xmlns:a16="http://schemas.microsoft.com/office/drawing/2014/main" xmlns="" val="20000"/>
                     </a:ext>
                   </a:extLst>
                 </a:gridCol>
                 <a:gridCol w="3724360">
                   <a:extLst>
                     <a:ext uri="{9D8B030D-6E8A-4147-A177-3AD203B41FA5}">
-                      <a16:colId xmlns:a16="http://schemas.microsoft.com/office/drawing/2014/main" val="20001"/>
+                      <a16:colId xmlns:a16="http://schemas.microsoft.com/office/drawing/2014/main" xmlns="" val="20001"/>
                     </a:ext>
                   </a:extLst>
                 </a:gridCol>
                 <a:gridCol w="1427672">
                   <a:extLst>
                     <a:ext uri="{9D8B030D-6E8A-4147-A177-3AD203B41FA5}">
-                      <a16:colId xmlns:a16="http://schemas.microsoft.com/office/drawing/2014/main" val="20002"/>
+                      <a16:colId xmlns:a16="http://schemas.microsoft.com/office/drawing/2014/main" xmlns="" val="20002"/>
                     </a:ext>
                   </a:extLst>
                 </a:gridCol>
@@ -4181,7 +4181,7 @@
                 </a:tc>
                 <a:extLst>
                   <a:ext uri="{0D108BD9-81ED-4DB2-BD59-A6C34878D82A}">
-                    <a16:rowId xmlns:a16="http://schemas.microsoft.com/office/drawing/2014/main" val="10000"/>
+                    <a16:rowId xmlns:a16="http://schemas.microsoft.com/office/drawing/2014/main" xmlns="" val="10000"/>
                   </a:ext>
                 </a:extLst>
               </a:tr>
@@ -4291,7 +4291,7 @@
                 </a:tc>
                 <a:extLst>
                   <a:ext uri="{0D108BD9-81ED-4DB2-BD59-A6C34878D82A}">
-                    <a16:rowId xmlns:a16="http://schemas.microsoft.com/office/drawing/2014/main" val="10001"/>
+                    <a16:rowId xmlns:a16="http://schemas.microsoft.com/office/drawing/2014/main" xmlns="" val="10001"/>
                   </a:ext>
                 </a:extLst>
               </a:tr>
@@ -4401,7 +4401,7 @@
                 </a:tc>
                 <a:extLst>
                   <a:ext uri="{0D108BD9-81ED-4DB2-BD59-A6C34878D82A}">
-                    <a16:rowId xmlns:a16="http://schemas.microsoft.com/office/drawing/2014/main" val="10002"/>
+                    <a16:rowId xmlns:a16="http://schemas.microsoft.com/office/drawing/2014/main" xmlns="" val="10002"/>
                   </a:ext>
                 </a:extLst>
               </a:tr>
@@ -4511,7 +4511,7 @@
                 </a:tc>
                 <a:extLst>
                   <a:ext uri="{0D108BD9-81ED-4DB2-BD59-A6C34878D82A}">
-                    <a16:rowId xmlns:a16="http://schemas.microsoft.com/office/drawing/2014/main" val="10003"/>
+                    <a16:rowId xmlns:a16="http://schemas.microsoft.com/office/drawing/2014/main" xmlns="" val="10003"/>
                   </a:ext>
                 </a:extLst>
               </a:tr>
@@ -4605,7 +4605,7 @@
                 </a:tc>
                 <a:extLst>
                   <a:ext uri="{0D108BD9-81ED-4DB2-BD59-A6C34878D82A}">
-                    <a16:rowId xmlns:a16="http://schemas.microsoft.com/office/drawing/2014/main" val="10004"/>
+                    <a16:rowId xmlns:a16="http://schemas.microsoft.com/office/drawing/2014/main" xmlns="" val="10004"/>
                   </a:ext>
                 </a:extLst>
               </a:tr>
@@ -5102,7 +5102,7 @@
           <p:cNvPr id="4" name="Marcador de contenido 3">
             <a:extLst>
               <a:ext uri="{FF2B5EF4-FFF2-40B4-BE49-F238E27FC236}">
-                <a16:creationId xmlns:a16="http://schemas.microsoft.com/office/drawing/2014/main" id="{8516D402-5A9F-4833-97F9-AB7954101268}"/>
+                <a16:creationId xmlns:a16="http://schemas.microsoft.com/office/drawing/2014/main" xmlns="" id="{8516D402-5A9F-4833-97F9-AB7954101268}"/>
               </a:ext>
             </a:extLst>
           </p:cNvPr>
@@ -5134,7 +5134,7 @@
           <p:cNvPr id="5" name="Imagen 4">
             <a:extLst>
               <a:ext uri="{FF2B5EF4-FFF2-40B4-BE49-F238E27FC236}">
-                <a16:creationId xmlns:a16="http://schemas.microsoft.com/office/drawing/2014/main" id="{553A86C8-D18D-47D3-A16A-39A22456939B}"/>
+                <a16:creationId xmlns:a16="http://schemas.microsoft.com/office/drawing/2014/main" xmlns="" id="{553A86C8-D18D-47D3-A16A-39A22456939B}"/>
               </a:ext>
             </a:extLst>
           </p:cNvPr>
